--- a/scalable_dsc.pptx
+++ b/scalable_dsc.pptx
@@ -22,6 +22,7 @@
     <p:sldId id="271" r:id="rId16"/>
     <p:sldId id="272" r:id="rId17"/>
     <p:sldId id="273" r:id="rId18"/>
+    <p:sldId id="274" r:id="rId19"/>
   </p:sldIdLst>
   <p:sldSz cx="12192000" cy="6858000"/>
   <p:notesSz cx="6858000" cy="9144000"/>
@@ -257,7 +258,7 @@
           <a:p>
             <a:fld id="{88733DD0-9389-4F1F-8C89-C5CBE43C481B}" type="datetimeFigureOut">
               <a:rPr lang="zh-CN" altLang="en-US" smtClean="0"/>
-              <a:t>2022/10/31</a:t>
+              <a:t>2022/11/2</a:t>
             </a:fld>
             <a:endParaRPr lang="zh-CN" altLang="en-US"/>
           </a:p>
@@ -425,7 +426,7 @@
           <a:p>
             <a:fld id="{88733DD0-9389-4F1F-8C89-C5CBE43C481B}" type="datetimeFigureOut">
               <a:rPr lang="zh-CN" altLang="en-US" smtClean="0"/>
-              <a:t>2022/10/31</a:t>
+              <a:t>2022/11/2</a:t>
             </a:fld>
             <a:endParaRPr lang="zh-CN" altLang="en-US"/>
           </a:p>
@@ -603,7 +604,7 @@
           <a:p>
             <a:fld id="{88733DD0-9389-4F1F-8C89-C5CBE43C481B}" type="datetimeFigureOut">
               <a:rPr lang="zh-CN" altLang="en-US" smtClean="0"/>
-              <a:t>2022/10/31</a:t>
+              <a:t>2022/11/2</a:t>
             </a:fld>
             <a:endParaRPr lang="zh-CN" altLang="en-US"/>
           </a:p>
@@ -771,7 +772,7 @@
           <a:p>
             <a:fld id="{88733DD0-9389-4F1F-8C89-C5CBE43C481B}" type="datetimeFigureOut">
               <a:rPr lang="zh-CN" altLang="en-US" smtClean="0"/>
-              <a:t>2022/10/31</a:t>
+              <a:t>2022/11/2</a:t>
             </a:fld>
             <a:endParaRPr lang="zh-CN" altLang="en-US"/>
           </a:p>
@@ -1016,7 +1017,7 @@
           <a:p>
             <a:fld id="{88733DD0-9389-4F1F-8C89-C5CBE43C481B}" type="datetimeFigureOut">
               <a:rPr lang="zh-CN" altLang="en-US" smtClean="0"/>
-              <a:t>2022/10/31</a:t>
+              <a:t>2022/11/2</a:t>
             </a:fld>
             <a:endParaRPr lang="zh-CN" altLang="en-US"/>
           </a:p>
@@ -1245,7 +1246,7 @@
           <a:p>
             <a:fld id="{88733DD0-9389-4F1F-8C89-C5CBE43C481B}" type="datetimeFigureOut">
               <a:rPr lang="zh-CN" altLang="en-US" smtClean="0"/>
-              <a:t>2022/10/31</a:t>
+              <a:t>2022/11/2</a:t>
             </a:fld>
             <a:endParaRPr lang="zh-CN" altLang="en-US"/>
           </a:p>
@@ -1609,7 +1610,7 @@
           <a:p>
             <a:fld id="{88733DD0-9389-4F1F-8C89-C5CBE43C481B}" type="datetimeFigureOut">
               <a:rPr lang="zh-CN" altLang="en-US" smtClean="0"/>
-              <a:t>2022/10/31</a:t>
+              <a:t>2022/11/2</a:t>
             </a:fld>
             <a:endParaRPr lang="zh-CN" altLang="en-US"/>
           </a:p>
@@ -1726,7 +1727,7 @@
           <a:p>
             <a:fld id="{88733DD0-9389-4F1F-8C89-C5CBE43C481B}" type="datetimeFigureOut">
               <a:rPr lang="zh-CN" altLang="en-US" smtClean="0"/>
-              <a:t>2022/10/31</a:t>
+              <a:t>2022/11/2</a:t>
             </a:fld>
             <a:endParaRPr lang="zh-CN" altLang="en-US"/>
           </a:p>
@@ -1821,7 +1822,7 @@
           <a:p>
             <a:fld id="{88733DD0-9389-4F1F-8C89-C5CBE43C481B}" type="datetimeFigureOut">
               <a:rPr lang="zh-CN" altLang="en-US" smtClean="0"/>
-              <a:t>2022/10/31</a:t>
+              <a:t>2022/11/2</a:t>
             </a:fld>
             <a:endParaRPr lang="zh-CN" altLang="en-US"/>
           </a:p>
@@ -2096,7 +2097,7 @@
           <a:p>
             <a:fld id="{88733DD0-9389-4F1F-8C89-C5CBE43C481B}" type="datetimeFigureOut">
               <a:rPr lang="zh-CN" altLang="en-US" smtClean="0"/>
-              <a:t>2022/10/31</a:t>
+              <a:t>2022/11/2</a:t>
             </a:fld>
             <a:endParaRPr lang="zh-CN" altLang="en-US"/>
           </a:p>
@@ -2348,7 +2349,7 @@
           <a:p>
             <a:fld id="{88733DD0-9389-4F1F-8C89-C5CBE43C481B}" type="datetimeFigureOut">
               <a:rPr lang="zh-CN" altLang="en-US" smtClean="0"/>
-              <a:t>2022/10/31</a:t>
+              <a:t>2022/11/2</a:t>
             </a:fld>
             <a:endParaRPr lang="zh-CN" altLang="en-US"/>
           </a:p>
@@ -2559,7 +2560,7 @@
           <a:p>
             <a:fld id="{88733DD0-9389-4F1F-8C89-C5CBE43C481B}" type="datetimeFigureOut">
               <a:rPr lang="zh-CN" altLang="en-US" smtClean="0"/>
-              <a:t>2022/10/31</a:t>
+              <a:t>2022/11/2</a:t>
             </a:fld>
             <a:endParaRPr lang="zh-CN" altLang="en-US"/>
           </a:p>
@@ -3757,7 +3758,7 @@
           <p:cNvPr id="5" name="文本框 4">
             <a:extLst>
               <a:ext uri="{FF2B5EF4-FFF2-40B4-BE49-F238E27FC236}">
-                <a16:creationId xmlns:a16="http://schemas.microsoft.com/office/drawing/2014/main" id="{8FFD559D-3009-B949-7E1B-1DAC48D0F4A9}"/>
+                <a16:creationId xmlns:a16="http://schemas.microsoft.com/office/drawing/2014/main" xmlns="" id="{8FFD559D-3009-B949-7E1B-1DAC48D0F4A9}"/>
               </a:ext>
             </a:extLst>
           </p:cNvPr>
@@ -3793,7 +3794,7 @@
           <p:cNvPr id="7" name="文本框 6">
             <a:extLst>
               <a:ext uri="{FF2B5EF4-FFF2-40B4-BE49-F238E27FC236}">
-                <a16:creationId xmlns:a16="http://schemas.microsoft.com/office/drawing/2014/main" id="{341BF853-7BAE-313A-6DBA-A3D56078758D}"/>
+                <a16:creationId xmlns:a16="http://schemas.microsoft.com/office/drawing/2014/main" xmlns="" id="{341BF853-7BAE-313A-6DBA-A3D56078758D}"/>
               </a:ext>
             </a:extLst>
           </p:cNvPr>
@@ -3839,7 +3840,7 @@
           <p:cNvPr id="9" name="图片 8">
             <a:extLst>
               <a:ext uri="{FF2B5EF4-FFF2-40B4-BE49-F238E27FC236}">
-                <a16:creationId xmlns:a16="http://schemas.microsoft.com/office/drawing/2014/main" id="{7AAD8C4A-B6EE-A01F-BE90-B5AA993BDFD9}"/>
+                <a16:creationId xmlns:a16="http://schemas.microsoft.com/office/drawing/2014/main" xmlns="" id="{7AAD8C4A-B6EE-A01F-BE90-B5AA993BDFD9}"/>
               </a:ext>
             </a:extLst>
           </p:cNvPr>
@@ -3869,7 +3870,7 @@
           <p:cNvPr id="10" name="文本框 9">
             <a:extLst>
               <a:ext uri="{FF2B5EF4-FFF2-40B4-BE49-F238E27FC236}">
-                <a16:creationId xmlns:a16="http://schemas.microsoft.com/office/drawing/2014/main" id="{BDD8BC63-437B-6F11-C411-69447A9EA702}"/>
+                <a16:creationId xmlns:a16="http://schemas.microsoft.com/office/drawing/2014/main" xmlns="" id="{BDD8BC63-437B-6F11-C411-69447A9EA702}"/>
               </a:ext>
             </a:extLst>
           </p:cNvPr>
@@ -3924,7 +3925,7 @@
           <p:cNvPr id="11" name="文本框 10">
             <a:extLst>
               <a:ext uri="{FF2B5EF4-FFF2-40B4-BE49-F238E27FC236}">
-                <a16:creationId xmlns:a16="http://schemas.microsoft.com/office/drawing/2014/main" id="{D29321CE-BEC9-83D5-43A4-04D76F23F422}"/>
+                <a16:creationId xmlns:a16="http://schemas.microsoft.com/office/drawing/2014/main" xmlns="" id="{D29321CE-BEC9-83D5-43A4-04D76F23F422}"/>
               </a:ext>
             </a:extLst>
           </p:cNvPr>
@@ -4012,7 +4013,7 @@
           <p:cNvPr id="4" name="文本框 3">
             <a:extLst>
               <a:ext uri="{FF2B5EF4-FFF2-40B4-BE49-F238E27FC236}">
-                <a16:creationId xmlns:a16="http://schemas.microsoft.com/office/drawing/2014/main" id="{B4AA68E4-C1A3-64BA-74E8-4CD6A2B86AAB}"/>
+                <a16:creationId xmlns:a16="http://schemas.microsoft.com/office/drawing/2014/main" xmlns="" id="{B4AA68E4-C1A3-64BA-74E8-4CD6A2B86AAB}"/>
               </a:ext>
             </a:extLst>
           </p:cNvPr>
@@ -4048,7 +4049,7 @@
           <p:cNvPr id="5" name="文本框 4">
             <a:extLst>
               <a:ext uri="{FF2B5EF4-FFF2-40B4-BE49-F238E27FC236}">
-                <a16:creationId xmlns:a16="http://schemas.microsoft.com/office/drawing/2014/main" id="{B3026905-DE03-740F-08E7-D5423DAE87D7}"/>
+                <a16:creationId xmlns:a16="http://schemas.microsoft.com/office/drawing/2014/main" xmlns="" id="{B3026905-DE03-740F-08E7-D5423DAE87D7}"/>
               </a:ext>
             </a:extLst>
           </p:cNvPr>
@@ -4148,7 +4149,7 @@
           <p:cNvPr id="4" name="文本框 3">
             <a:extLst>
               <a:ext uri="{FF2B5EF4-FFF2-40B4-BE49-F238E27FC236}">
-                <a16:creationId xmlns:a16="http://schemas.microsoft.com/office/drawing/2014/main" id="{CED0148B-353F-59E6-3DC1-0A5E3C1E2CCC}"/>
+                <a16:creationId xmlns:a16="http://schemas.microsoft.com/office/drawing/2014/main" xmlns="" id="{CED0148B-353F-59E6-3DC1-0A5E3C1E2CCC}"/>
               </a:ext>
             </a:extLst>
           </p:cNvPr>
@@ -4184,7 +4185,7 @@
           <p:cNvPr id="5" name="文本框 4">
             <a:extLst>
               <a:ext uri="{FF2B5EF4-FFF2-40B4-BE49-F238E27FC236}">
-                <a16:creationId xmlns:a16="http://schemas.microsoft.com/office/drawing/2014/main" id="{0CCD0EFC-BF7D-1113-3FE3-37CED789CB1A}"/>
+                <a16:creationId xmlns:a16="http://schemas.microsoft.com/office/drawing/2014/main" xmlns="" id="{0CCD0EFC-BF7D-1113-3FE3-37CED789CB1A}"/>
               </a:ext>
             </a:extLst>
           </p:cNvPr>
@@ -4260,6 +4261,312 @@
     <p:extLst>
       <p:ext uri="{BB962C8B-B14F-4D97-AF65-F5344CB8AC3E}">
         <p14:creationId xmlns:p14="http://schemas.microsoft.com/office/powerpoint/2010/main" val="526083104"/>
+      </p:ext>
+    </p:extLst>
+  </p:cSld>
+  <p:clrMapOvr>
+    <a:masterClrMapping/>
+  </p:clrMapOvr>
+</p:sld>
+</file>
+
+<file path=ppt/slides/slide18.xml><?xml version="1.0" encoding="utf-8"?>
+<p:sld xmlns:a="http://schemas.openxmlformats.org/drawingml/2006/main" xmlns:r="http://schemas.openxmlformats.org/officeDocument/2006/relationships" xmlns:p="http://schemas.openxmlformats.org/presentationml/2006/main">
+  <p:cSld>
+    <p:spTree>
+      <p:nvGrpSpPr>
+        <p:cNvPr id="1" name=""/>
+        <p:cNvGrpSpPr/>
+        <p:nvPr/>
+      </p:nvGrpSpPr>
+      <p:grpSpPr>
+        <a:xfrm>
+          <a:off x="0" y="0"/>
+          <a:ext cx="0" cy="0"/>
+          <a:chOff x="0" y="0"/>
+          <a:chExt cx="0" cy="0"/>
+        </a:xfrm>
+      </p:grpSpPr>
+      <p:sp>
+        <p:nvSpPr>
+          <p:cNvPr id="4" name="文本框 3"/>
+          <p:cNvSpPr txBox="1"/>
+          <p:nvPr/>
+        </p:nvSpPr>
+        <p:spPr>
+          <a:xfrm>
+            <a:off x="420130" y="255373"/>
+            <a:ext cx="1219200" cy="369332"/>
+          </a:xfrm>
+          <a:prstGeom prst="rect">
+            <a:avLst/>
+          </a:prstGeom>
+          <a:noFill/>
+        </p:spPr>
+        <p:txBody>
+          <a:bodyPr wrap="square" rtlCol="0">
+            <a:spAutoFit/>
+          </a:bodyPr>
+          <a:lstStyle/>
+          <a:p>
+            <a:r>
+              <a:rPr lang="en-US" altLang="zh-CN" dirty="0" smtClean="0"/>
+              <a:t>2022.11.2</a:t>
+            </a:r>
+            <a:endParaRPr lang="zh-CN" altLang="en-US" dirty="0"/>
+          </a:p>
+        </p:txBody>
+      </p:sp>
+      <p:sp>
+        <p:nvSpPr>
+          <p:cNvPr id="5" name="文本框 4"/>
+          <p:cNvSpPr txBox="1"/>
+          <p:nvPr/>
+        </p:nvSpPr>
+        <p:spPr>
+          <a:xfrm>
+            <a:off x="1260387" y="906162"/>
+            <a:ext cx="9152240" cy="4524315"/>
+          </a:xfrm>
+          <a:prstGeom prst="rect">
+            <a:avLst/>
+          </a:prstGeom>
+          <a:noFill/>
+        </p:spPr>
+        <p:txBody>
+          <a:bodyPr wrap="square" rtlCol="0">
+            <a:spAutoFit/>
+          </a:bodyPr>
+          <a:lstStyle/>
+          <a:p>
+            <a:r>
+              <a:rPr lang="zh-CN" altLang="en-US" dirty="0"/>
+              <a:t>梳理</a:t>
+            </a:r>
+            <a:r>
+              <a:rPr lang="zh-CN" altLang="en-US" dirty="0" smtClean="0"/>
+              <a:t>一下</a:t>
+            </a:r>
+            <a:r>
+              <a:rPr lang="en-US" altLang="zh-CN" dirty="0" smtClean="0"/>
+              <a:t>kmeans</a:t>
+            </a:r>
+            <a:r>
+              <a:rPr lang="zh-CN" altLang="en-US" dirty="0" smtClean="0"/>
+              <a:t>产生为标签的逻辑：</a:t>
+            </a:r>
+            <a:endParaRPr lang="en-US" altLang="zh-CN" dirty="0" smtClean="0"/>
+          </a:p>
+          <a:p>
+            <a:r>
+              <a:rPr lang="en-US" altLang="zh-CN" dirty="0" smtClean="0"/>
+              <a:t>1. </a:t>
+            </a:r>
+            <a:r>
+              <a:rPr lang="zh-CN" altLang="en-US" dirty="0" smtClean="0"/>
+              <a:t>先对所有数据集聚类生成伪标签</a:t>
+            </a:r>
+            <a:endParaRPr lang="en-US" altLang="zh-CN" dirty="0" smtClean="0"/>
+          </a:p>
+          <a:p>
+            <a:r>
+              <a:rPr lang="en-US" altLang="zh-CN" dirty="0" smtClean="0"/>
+              <a:t>2. </a:t>
+            </a:r>
+            <a:r>
+              <a:rPr lang="zh-CN" altLang="en-US" dirty="0" smtClean="0"/>
+              <a:t>再构建</a:t>
+            </a:r>
+            <a:r>
+              <a:rPr lang="en-US" altLang="zh-CN" dirty="0" err="1" smtClean="0"/>
+              <a:t>DataLoader</a:t>
+            </a:r>
+            <a:endParaRPr lang="en-US" altLang="zh-CN" dirty="0" smtClean="0"/>
+          </a:p>
+          <a:p>
+            <a:r>
+              <a:rPr lang="en-US" altLang="zh-CN" dirty="0" smtClean="0"/>
+              <a:t>3. </a:t>
+            </a:r>
+            <a:r>
+              <a:rPr lang="zh-CN" altLang="en-US" dirty="0" smtClean="0"/>
+              <a:t>最后按照分类的模式训练</a:t>
+            </a:r>
+            <a:endParaRPr lang="en-US" altLang="zh-CN" dirty="0" smtClean="0"/>
+          </a:p>
+          <a:p>
+            <a:endParaRPr lang="en-US" altLang="zh-CN" dirty="0" smtClean="0"/>
+          </a:p>
+          <a:p>
+            <a:r>
+              <a:rPr lang="zh-CN" altLang="en-US" dirty="0" smtClean="0"/>
+              <a:t>待看：</a:t>
+            </a:r>
+            <a:endParaRPr lang="en-US" altLang="zh-CN" dirty="0" smtClean="0"/>
+          </a:p>
+          <a:p>
+            <a:r>
+              <a:rPr lang="zh-CN" altLang="en-US" dirty="0" smtClean="0"/>
+              <a:t>生成伪标签部分：</a:t>
+            </a:r>
+            <a:endParaRPr lang="en-US" altLang="zh-CN" dirty="0" smtClean="0"/>
+          </a:p>
+          <a:p>
+            <a:r>
+              <a:rPr lang="zh-CN" altLang="en-US" dirty="0" smtClean="0"/>
+              <a:t>输入</a:t>
+            </a:r>
+            <a:r>
+              <a:rPr lang="en-US" altLang="zh-CN" dirty="0" err="1" smtClean="0"/>
+              <a:t>numpy</a:t>
+            </a:r>
+            <a:r>
+              <a:rPr lang="zh-CN" altLang="en-US" dirty="0" smtClean="0"/>
+              <a:t>数据</a:t>
+            </a:r>
+            <a:r>
+              <a:rPr lang="zh-CN" altLang="en-US" dirty="0"/>
+              <a:t>，</a:t>
+            </a:r>
+            <a:r>
+              <a:rPr lang="zh-CN" altLang="en-US" dirty="0" smtClean="0"/>
+              <a:t>核心是</a:t>
+            </a:r>
+            <a:r>
+              <a:rPr lang="en-US" altLang="zh-CN" dirty="0" err="1" smtClean="0"/>
+              <a:t>run_kmeans</a:t>
+            </a:r>
+            <a:r>
+              <a:rPr lang="zh-CN" altLang="en-US" dirty="0" smtClean="0"/>
+              <a:t>函数，返回标签列表。</a:t>
+            </a:r>
+            <a:endParaRPr lang="en-US" altLang="zh-CN" dirty="0" smtClean="0"/>
+          </a:p>
+          <a:p>
+            <a:r>
+              <a:rPr lang="zh-CN" altLang="en-US" dirty="0" smtClean="0"/>
+              <a:t>之后生成</a:t>
+            </a:r>
+            <a:r>
+              <a:rPr lang="en-US" altLang="zh-CN" dirty="0" smtClean="0"/>
+              <a:t>k</a:t>
+            </a:r>
+            <a:r>
+              <a:rPr lang="zh-CN" altLang="en-US" dirty="0" smtClean="0"/>
+              <a:t>个列表，每个列表存放属于一类的数据索引</a:t>
+            </a:r>
+            <a:endParaRPr lang="en-US" altLang="zh-CN" dirty="0" smtClean="0"/>
+          </a:p>
+          <a:p>
+            <a:r>
+              <a:rPr lang="en-US" altLang="zh-CN" dirty="0"/>
+              <a:t> </a:t>
+            </a:r>
+            <a:r>
+              <a:rPr lang="en-US" altLang="zh-CN" dirty="0" smtClean="0"/>
+              <a:t>   </a:t>
+            </a:r>
+            <a:r>
+              <a:rPr lang="en-US" altLang="zh-CN" dirty="0" err="1" smtClean="0"/>
+              <a:t>pseudolabels</a:t>
+            </a:r>
+            <a:r>
+              <a:rPr lang="en-US" altLang="zh-CN" dirty="0" smtClean="0"/>
+              <a:t> </a:t>
+            </a:r>
+            <a:r>
+              <a:rPr lang="en-US" altLang="zh-CN" dirty="0"/>
+              <a:t>= []</a:t>
+            </a:r>
+          </a:p>
+          <a:p>
+            <a:r>
+              <a:rPr lang="en-US" altLang="zh-CN" dirty="0"/>
+              <a:t>    </a:t>
+            </a:r>
+            <a:r>
+              <a:rPr lang="en-US" altLang="zh-CN" dirty="0" err="1"/>
+              <a:t>image_indexes</a:t>
+            </a:r>
+            <a:r>
+              <a:rPr lang="en-US" altLang="zh-CN" dirty="0"/>
+              <a:t> = []</a:t>
+            </a:r>
+          </a:p>
+          <a:p>
+            <a:r>
+              <a:rPr lang="en-US" altLang="zh-CN" dirty="0"/>
+              <a:t>    for cluster, images in enumerate(</a:t>
+            </a:r>
+            <a:r>
+              <a:rPr lang="en-US" altLang="zh-CN" dirty="0" err="1"/>
+              <a:t>images_lists</a:t>
+            </a:r>
+            <a:r>
+              <a:rPr lang="en-US" altLang="zh-CN" dirty="0"/>
+              <a:t>):</a:t>
+            </a:r>
+          </a:p>
+          <a:p>
+            <a:r>
+              <a:rPr lang="en-US" altLang="zh-CN" dirty="0"/>
+              <a:t>        </a:t>
+            </a:r>
+            <a:r>
+              <a:rPr lang="en-US" altLang="zh-CN" dirty="0" err="1"/>
+              <a:t>image_indexes.extend</a:t>
+            </a:r>
+            <a:r>
+              <a:rPr lang="en-US" altLang="zh-CN" dirty="0"/>
+              <a:t>(images)</a:t>
+            </a:r>
+          </a:p>
+          <a:p>
+            <a:r>
+              <a:rPr lang="en-US" altLang="zh-CN" dirty="0"/>
+              <a:t>        </a:t>
+            </a:r>
+            <a:r>
+              <a:rPr lang="en-US" altLang="zh-CN" dirty="0" err="1"/>
+              <a:t>pseudolabels.extend</a:t>
+            </a:r>
+            <a:r>
+              <a:rPr lang="en-US" altLang="zh-CN" dirty="0"/>
+              <a:t>([cluster] * </a:t>
+            </a:r>
+            <a:r>
+              <a:rPr lang="en-US" altLang="zh-CN" dirty="0" err="1"/>
+              <a:t>len</a:t>
+            </a:r>
+            <a:r>
+              <a:rPr lang="en-US" altLang="zh-CN" dirty="0"/>
+              <a:t>(images))</a:t>
+            </a:r>
+          </a:p>
+          <a:p>
+            <a:r>
+              <a:rPr lang="zh-CN" altLang="en-US" dirty="0" smtClean="0"/>
+              <a:t>图像索引和标签一一对应</a:t>
+            </a:r>
+            <a:endParaRPr lang="en-US" altLang="zh-CN" dirty="0" smtClean="0"/>
+          </a:p>
+          <a:p>
+            <a:r>
+              <a:rPr lang="zh-CN" altLang="en-US" dirty="0" smtClean="0"/>
+              <a:t>最后封装一层</a:t>
+            </a:r>
+            <a:r>
+              <a:rPr lang="en-US" altLang="zh-CN" dirty="0" smtClean="0"/>
+              <a:t>Dataset</a:t>
+            </a:r>
+            <a:endParaRPr lang="en-US" altLang="zh-CN" dirty="0"/>
+          </a:p>
+        </p:txBody>
+      </p:sp>
+    </p:spTree>
+    <p:extLst>
+      <p:ext uri="{BB962C8B-B14F-4D97-AF65-F5344CB8AC3E}">
+        <p14:creationId xmlns:p14="http://schemas.microsoft.com/office/powerpoint/2010/main" val="3191416219"/>
       </p:ext>
     </p:extLst>
   </p:cSld>

--- a/scalable_dsc.pptx
+++ b/scalable_dsc.pptx
@@ -23,6 +23,7 @@
     <p:sldId id="272" r:id="rId17"/>
     <p:sldId id="273" r:id="rId18"/>
     <p:sldId id="274" r:id="rId19"/>
+    <p:sldId id="275" r:id="rId20"/>
   </p:sldIdLst>
   <p:sldSz cx="12192000" cy="6858000"/>
   <p:notesSz cx="6858000" cy="9144000"/>
@@ -258,7 +259,7 @@
           <a:p>
             <a:fld id="{88733DD0-9389-4F1F-8C89-C5CBE43C481B}" type="datetimeFigureOut">
               <a:rPr lang="zh-CN" altLang="en-US" smtClean="0"/>
-              <a:t>2022/11/2</a:t>
+              <a:t>2022/11/25</a:t>
             </a:fld>
             <a:endParaRPr lang="zh-CN" altLang="en-US"/>
           </a:p>
@@ -426,7 +427,7 @@
           <a:p>
             <a:fld id="{88733DD0-9389-4F1F-8C89-C5CBE43C481B}" type="datetimeFigureOut">
               <a:rPr lang="zh-CN" altLang="en-US" smtClean="0"/>
-              <a:t>2022/11/2</a:t>
+              <a:t>2022/11/25</a:t>
             </a:fld>
             <a:endParaRPr lang="zh-CN" altLang="en-US"/>
           </a:p>
@@ -604,7 +605,7 @@
           <a:p>
             <a:fld id="{88733DD0-9389-4F1F-8C89-C5CBE43C481B}" type="datetimeFigureOut">
               <a:rPr lang="zh-CN" altLang="en-US" smtClean="0"/>
-              <a:t>2022/11/2</a:t>
+              <a:t>2022/11/25</a:t>
             </a:fld>
             <a:endParaRPr lang="zh-CN" altLang="en-US"/>
           </a:p>
@@ -772,7 +773,7 @@
           <a:p>
             <a:fld id="{88733DD0-9389-4F1F-8C89-C5CBE43C481B}" type="datetimeFigureOut">
               <a:rPr lang="zh-CN" altLang="en-US" smtClean="0"/>
-              <a:t>2022/11/2</a:t>
+              <a:t>2022/11/25</a:t>
             </a:fld>
             <a:endParaRPr lang="zh-CN" altLang="en-US"/>
           </a:p>
@@ -1017,7 +1018,7 @@
           <a:p>
             <a:fld id="{88733DD0-9389-4F1F-8C89-C5CBE43C481B}" type="datetimeFigureOut">
               <a:rPr lang="zh-CN" altLang="en-US" smtClean="0"/>
-              <a:t>2022/11/2</a:t>
+              <a:t>2022/11/25</a:t>
             </a:fld>
             <a:endParaRPr lang="zh-CN" altLang="en-US"/>
           </a:p>
@@ -1246,7 +1247,7 @@
           <a:p>
             <a:fld id="{88733DD0-9389-4F1F-8C89-C5CBE43C481B}" type="datetimeFigureOut">
               <a:rPr lang="zh-CN" altLang="en-US" smtClean="0"/>
-              <a:t>2022/11/2</a:t>
+              <a:t>2022/11/25</a:t>
             </a:fld>
             <a:endParaRPr lang="zh-CN" altLang="en-US"/>
           </a:p>
@@ -1610,7 +1611,7 @@
           <a:p>
             <a:fld id="{88733DD0-9389-4F1F-8C89-C5CBE43C481B}" type="datetimeFigureOut">
               <a:rPr lang="zh-CN" altLang="en-US" smtClean="0"/>
-              <a:t>2022/11/2</a:t>
+              <a:t>2022/11/25</a:t>
             </a:fld>
             <a:endParaRPr lang="zh-CN" altLang="en-US"/>
           </a:p>
@@ -1727,7 +1728,7 @@
           <a:p>
             <a:fld id="{88733DD0-9389-4F1F-8C89-C5CBE43C481B}" type="datetimeFigureOut">
               <a:rPr lang="zh-CN" altLang="en-US" smtClean="0"/>
-              <a:t>2022/11/2</a:t>
+              <a:t>2022/11/25</a:t>
             </a:fld>
             <a:endParaRPr lang="zh-CN" altLang="en-US"/>
           </a:p>
@@ -1822,7 +1823,7 @@
           <a:p>
             <a:fld id="{88733DD0-9389-4F1F-8C89-C5CBE43C481B}" type="datetimeFigureOut">
               <a:rPr lang="zh-CN" altLang="en-US" smtClean="0"/>
-              <a:t>2022/11/2</a:t>
+              <a:t>2022/11/25</a:t>
             </a:fld>
             <a:endParaRPr lang="zh-CN" altLang="en-US"/>
           </a:p>
@@ -2097,7 +2098,7 @@
           <a:p>
             <a:fld id="{88733DD0-9389-4F1F-8C89-C5CBE43C481B}" type="datetimeFigureOut">
               <a:rPr lang="zh-CN" altLang="en-US" smtClean="0"/>
-              <a:t>2022/11/2</a:t>
+              <a:t>2022/11/25</a:t>
             </a:fld>
             <a:endParaRPr lang="zh-CN" altLang="en-US"/>
           </a:p>
@@ -2349,7 +2350,7 @@
           <a:p>
             <a:fld id="{88733DD0-9389-4F1F-8C89-C5CBE43C481B}" type="datetimeFigureOut">
               <a:rPr lang="zh-CN" altLang="en-US" smtClean="0"/>
-              <a:t>2022/11/2</a:t>
+              <a:t>2022/11/25</a:t>
             </a:fld>
             <a:endParaRPr lang="zh-CN" altLang="en-US"/>
           </a:p>
@@ -2560,7 +2561,7 @@
           <a:p>
             <a:fld id="{88733DD0-9389-4F1F-8C89-C5CBE43C481B}" type="datetimeFigureOut">
               <a:rPr lang="zh-CN" altLang="en-US" smtClean="0"/>
-              <a:t>2022/11/2</a:t>
+              <a:t>2022/11/25</a:t>
             </a:fld>
             <a:endParaRPr lang="zh-CN" altLang="en-US"/>
           </a:p>
@@ -3758,7 +3759,7 @@
           <p:cNvPr id="5" name="文本框 4">
             <a:extLst>
               <a:ext uri="{FF2B5EF4-FFF2-40B4-BE49-F238E27FC236}">
-                <a16:creationId xmlns:a16="http://schemas.microsoft.com/office/drawing/2014/main" xmlns="" id="{8FFD559D-3009-B949-7E1B-1DAC48D0F4A9}"/>
+                <a16:creationId xmlns:a16="http://schemas.microsoft.com/office/drawing/2014/main" id="{8FFD559D-3009-B949-7E1B-1DAC48D0F4A9}"/>
               </a:ext>
             </a:extLst>
           </p:cNvPr>
@@ -3794,7 +3795,7 @@
           <p:cNvPr id="7" name="文本框 6">
             <a:extLst>
               <a:ext uri="{FF2B5EF4-FFF2-40B4-BE49-F238E27FC236}">
-                <a16:creationId xmlns:a16="http://schemas.microsoft.com/office/drawing/2014/main" xmlns="" id="{341BF853-7BAE-313A-6DBA-A3D56078758D}"/>
+                <a16:creationId xmlns:a16="http://schemas.microsoft.com/office/drawing/2014/main" id="{341BF853-7BAE-313A-6DBA-A3D56078758D}"/>
               </a:ext>
             </a:extLst>
           </p:cNvPr>
@@ -3840,7 +3841,7 @@
           <p:cNvPr id="9" name="图片 8">
             <a:extLst>
               <a:ext uri="{FF2B5EF4-FFF2-40B4-BE49-F238E27FC236}">
-                <a16:creationId xmlns:a16="http://schemas.microsoft.com/office/drawing/2014/main" xmlns="" id="{7AAD8C4A-B6EE-A01F-BE90-B5AA993BDFD9}"/>
+                <a16:creationId xmlns:a16="http://schemas.microsoft.com/office/drawing/2014/main" id="{7AAD8C4A-B6EE-A01F-BE90-B5AA993BDFD9}"/>
               </a:ext>
             </a:extLst>
           </p:cNvPr>
@@ -3870,7 +3871,7 @@
           <p:cNvPr id="10" name="文本框 9">
             <a:extLst>
               <a:ext uri="{FF2B5EF4-FFF2-40B4-BE49-F238E27FC236}">
-                <a16:creationId xmlns:a16="http://schemas.microsoft.com/office/drawing/2014/main" xmlns="" id="{BDD8BC63-437B-6F11-C411-69447A9EA702}"/>
+                <a16:creationId xmlns:a16="http://schemas.microsoft.com/office/drawing/2014/main" id="{BDD8BC63-437B-6F11-C411-69447A9EA702}"/>
               </a:ext>
             </a:extLst>
           </p:cNvPr>
@@ -3925,7 +3926,7 @@
           <p:cNvPr id="11" name="文本框 10">
             <a:extLst>
               <a:ext uri="{FF2B5EF4-FFF2-40B4-BE49-F238E27FC236}">
-                <a16:creationId xmlns:a16="http://schemas.microsoft.com/office/drawing/2014/main" xmlns="" id="{D29321CE-BEC9-83D5-43A4-04D76F23F422}"/>
+                <a16:creationId xmlns:a16="http://schemas.microsoft.com/office/drawing/2014/main" id="{D29321CE-BEC9-83D5-43A4-04D76F23F422}"/>
               </a:ext>
             </a:extLst>
           </p:cNvPr>
@@ -4013,7 +4014,7 @@
           <p:cNvPr id="4" name="文本框 3">
             <a:extLst>
               <a:ext uri="{FF2B5EF4-FFF2-40B4-BE49-F238E27FC236}">
-                <a16:creationId xmlns:a16="http://schemas.microsoft.com/office/drawing/2014/main" xmlns="" id="{B4AA68E4-C1A3-64BA-74E8-4CD6A2B86AAB}"/>
+                <a16:creationId xmlns:a16="http://schemas.microsoft.com/office/drawing/2014/main" id="{B4AA68E4-C1A3-64BA-74E8-4CD6A2B86AAB}"/>
               </a:ext>
             </a:extLst>
           </p:cNvPr>
@@ -4049,7 +4050,7 @@
           <p:cNvPr id="5" name="文本框 4">
             <a:extLst>
               <a:ext uri="{FF2B5EF4-FFF2-40B4-BE49-F238E27FC236}">
-                <a16:creationId xmlns:a16="http://schemas.microsoft.com/office/drawing/2014/main" xmlns="" id="{B3026905-DE03-740F-08E7-D5423DAE87D7}"/>
+                <a16:creationId xmlns:a16="http://schemas.microsoft.com/office/drawing/2014/main" id="{B3026905-DE03-740F-08E7-D5423DAE87D7}"/>
               </a:ext>
             </a:extLst>
           </p:cNvPr>
@@ -4149,7 +4150,7 @@
           <p:cNvPr id="4" name="文本框 3">
             <a:extLst>
               <a:ext uri="{FF2B5EF4-FFF2-40B4-BE49-F238E27FC236}">
-                <a16:creationId xmlns:a16="http://schemas.microsoft.com/office/drawing/2014/main" xmlns="" id="{CED0148B-353F-59E6-3DC1-0A5E3C1E2CCC}"/>
+                <a16:creationId xmlns:a16="http://schemas.microsoft.com/office/drawing/2014/main" id="{CED0148B-353F-59E6-3DC1-0A5E3C1E2CCC}"/>
               </a:ext>
             </a:extLst>
           </p:cNvPr>
@@ -4185,7 +4186,7 @@
           <p:cNvPr id="5" name="文本框 4">
             <a:extLst>
               <a:ext uri="{FF2B5EF4-FFF2-40B4-BE49-F238E27FC236}">
-                <a16:creationId xmlns:a16="http://schemas.microsoft.com/office/drawing/2014/main" xmlns="" id="{0CCD0EFC-BF7D-1113-3FE3-37CED789CB1A}"/>
+                <a16:creationId xmlns:a16="http://schemas.microsoft.com/office/drawing/2014/main" id="{0CCD0EFC-BF7D-1113-3FE3-37CED789CB1A}"/>
               </a:ext>
             </a:extLst>
           </p:cNvPr>
@@ -4310,7 +4311,7 @@
           <a:lstStyle/>
           <a:p>
             <a:r>
-              <a:rPr lang="en-US" altLang="zh-CN" dirty="0" smtClean="0"/>
+              <a:rPr lang="en-US" altLang="zh-CN" dirty="0"/>
               <a:t>2022.11.2</a:t>
             </a:r>
             <a:endParaRPr lang="zh-CN" altLang="en-US" dirty="0"/>
@@ -4341,142 +4342,122 @@
           <a:p>
             <a:r>
               <a:rPr lang="zh-CN" altLang="en-US" dirty="0"/>
-              <a:t>梳理</a:t>
-            </a:r>
-            <a:r>
-              <a:rPr lang="zh-CN" altLang="en-US" dirty="0" smtClean="0"/>
-              <a:t>一下</a:t>
-            </a:r>
-            <a:r>
-              <a:rPr lang="en-US" altLang="zh-CN" dirty="0" smtClean="0"/>
+              <a:t>梳理一下</a:t>
+            </a:r>
+            <a:r>
+              <a:rPr lang="en-US" altLang="zh-CN" dirty="0"/>
               <a:t>kmeans</a:t>
             </a:r>
             <a:r>
-              <a:rPr lang="zh-CN" altLang="en-US" dirty="0" smtClean="0"/>
+              <a:rPr lang="zh-CN" altLang="en-US" dirty="0"/>
               <a:t>产生为标签的逻辑：</a:t>
             </a:r>
-            <a:endParaRPr lang="en-US" altLang="zh-CN" dirty="0" smtClean="0"/>
-          </a:p>
-          <a:p>
-            <a:r>
-              <a:rPr lang="en-US" altLang="zh-CN" dirty="0" smtClean="0"/>
+            <a:endParaRPr lang="en-US" altLang="zh-CN" dirty="0"/>
+          </a:p>
+          <a:p>
+            <a:r>
+              <a:rPr lang="en-US" altLang="zh-CN" dirty="0"/>
               <a:t>1. </a:t>
             </a:r>
             <a:r>
-              <a:rPr lang="zh-CN" altLang="en-US" dirty="0" smtClean="0"/>
+              <a:rPr lang="zh-CN" altLang="en-US" dirty="0"/>
               <a:t>先对所有数据集聚类生成伪标签</a:t>
             </a:r>
-            <a:endParaRPr lang="en-US" altLang="zh-CN" dirty="0" smtClean="0"/>
-          </a:p>
-          <a:p>
-            <a:r>
-              <a:rPr lang="en-US" altLang="zh-CN" dirty="0" smtClean="0"/>
+            <a:endParaRPr lang="en-US" altLang="zh-CN" dirty="0"/>
+          </a:p>
+          <a:p>
+            <a:r>
+              <a:rPr lang="en-US" altLang="zh-CN" dirty="0"/>
               <a:t>2. </a:t>
             </a:r>
             <a:r>
-              <a:rPr lang="zh-CN" altLang="en-US" dirty="0" smtClean="0"/>
+              <a:rPr lang="zh-CN" altLang="en-US" dirty="0"/>
               <a:t>再构建</a:t>
             </a:r>
             <a:r>
-              <a:rPr lang="en-US" altLang="zh-CN" dirty="0" err="1" smtClean="0"/>
+              <a:rPr lang="en-US" altLang="zh-CN" dirty="0" err="1"/>
               <a:t>DataLoader</a:t>
             </a:r>
-            <a:endParaRPr lang="en-US" altLang="zh-CN" dirty="0" smtClean="0"/>
-          </a:p>
-          <a:p>
-            <a:r>
-              <a:rPr lang="en-US" altLang="zh-CN" dirty="0" smtClean="0"/>
+            <a:endParaRPr lang="en-US" altLang="zh-CN" dirty="0"/>
+          </a:p>
+          <a:p>
+            <a:r>
+              <a:rPr lang="en-US" altLang="zh-CN" dirty="0"/>
               <a:t>3. </a:t>
             </a:r>
             <a:r>
-              <a:rPr lang="zh-CN" altLang="en-US" dirty="0" smtClean="0"/>
+              <a:rPr lang="zh-CN" altLang="en-US" dirty="0"/>
               <a:t>最后按照分类的模式训练</a:t>
             </a:r>
-            <a:endParaRPr lang="en-US" altLang="zh-CN" dirty="0" smtClean="0"/>
-          </a:p>
-          <a:p>
-            <a:endParaRPr lang="en-US" altLang="zh-CN" dirty="0" smtClean="0"/>
-          </a:p>
-          <a:p>
-            <a:r>
-              <a:rPr lang="zh-CN" altLang="en-US" dirty="0" smtClean="0"/>
+            <a:endParaRPr lang="en-US" altLang="zh-CN" dirty="0"/>
+          </a:p>
+          <a:p>
+            <a:endParaRPr lang="en-US" altLang="zh-CN" dirty="0"/>
+          </a:p>
+          <a:p>
+            <a:r>
+              <a:rPr lang="zh-CN" altLang="en-US" dirty="0"/>
               <a:t>待看：</a:t>
             </a:r>
-            <a:endParaRPr lang="en-US" altLang="zh-CN" dirty="0" smtClean="0"/>
-          </a:p>
-          <a:p>
-            <a:r>
-              <a:rPr lang="zh-CN" altLang="en-US" dirty="0" smtClean="0"/>
+            <a:endParaRPr lang="en-US" altLang="zh-CN" dirty="0"/>
+          </a:p>
+          <a:p>
+            <a:r>
+              <a:rPr lang="zh-CN" altLang="en-US" dirty="0"/>
               <a:t>生成伪标签部分：</a:t>
             </a:r>
-            <a:endParaRPr lang="en-US" altLang="zh-CN" dirty="0" smtClean="0"/>
-          </a:p>
-          <a:p>
-            <a:r>
-              <a:rPr lang="zh-CN" altLang="en-US" dirty="0" smtClean="0"/>
+            <a:endParaRPr lang="en-US" altLang="zh-CN" dirty="0"/>
+          </a:p>
+          <a:p>
+            <a:r>
+              <a:rPr lang="zh-CN" altLang="en-US" dirty="0"/>
               <a:t>输入</a:t>
             </a:r>
             <a:r>
-              <a:rPr lang="en-US" altLang="zh-CN" dirty="0" err="1" smtClean="0"/>
+              <a:rPr lang="en-US" altLang="zh-CN" dirty="0" err="1"/>
               <a:t>numpy</a:t>
             </a:r>
             <a:r>
-              <a:rPr lang="zh-CN" altLang="en-US" dirty="0" smtClean="0"/>
-              <a:t>数据</a:t>
-            </a:r>
-            <a:r>
-              <a:rPr lang="zh-CN" altLang="en-US" dirty="0"/>
-              <a:t>，</a:t>
-            </a:r>
-            <a:r>
-              <a:rPr lang="zh-CN" altLang="en-US" dirty="0" smtClean="0"/>
-              <a:t>核心是</a:t>
-            </a:r>
-            <a:r>
-              <a:rPr lang="en-US" altLang="zh-CN" dirty="0" err="1" smtClean="0"/>
+              <a:rPr lang="zh-CN" altLang="en-US" dirty="0"/>
+              <a:t>数据，核心是</a:t>
+            </a:r>
+            <a:r>
+              <a:rPr lang="en-US" altLang="zh-CN" dirty="0" err="1"/>
               <a:t>run_kmeans</a:t>
             </a:r>
             <a:r>
-              <a:rPr lang="zh-CN" altLang="en-US" dirty="0" smtClean="0"/>
+              <a:rPr lang="zh-CN" altLang="en-US" dirty="0"/>
               <a:t>函数，返回标签列表。</a:t>
             </a:r>
-            <a:endParaRPr lang="en-US" altLang="zh-CN" dirty="0" smtClean="0"/>
-          </a:p>
-          <a:p>
-            <a:r>
-              <a:rPr lang="zh-CN" altLang="en-US" dirty="0" smtClean="0"/>
+            <a:endParaRPr lang="en-US" altLang="zh-CN" dirty="0"/>
+          </a:p>
+          <a:p>
+            <a:r>
+              <a:rPr lang="zh-CN" altLang="en-US" dirty="0"/>
               <a:t>之后生成</a:t>
             </a:r>
             <a:r>
-              <a:rPr lang="en-US" altLang="zh-CN" dirty="0" smtClean="0"/>
+              <a:rPr lang="en-US" altLang="zh-CN" dirty="0"/>
               <a:t>k</a:t>
             </a:r>
             <a:r>
-              <a:rPr lang="zh-CN" altLang="en-US" dirty="0" smtClean="0"/>
+              <a:rPr lang="zh-CN" altLang="en-US" dirty="0"/>
               <a:t>个列表，每个列表存放属于一类的数据索引</a:t>
             </a:r>
-            <a:endParaRPr lang="en-US" altLang="zh-CN" dirty="0" smtClean="0"/>
-          </a:p>
-          <a:p>
-            <a:r>
-              <a:rPr lang="en-US" altLang="zh-CN" dirty="0"/>
-              <a:t> </a:t>
-            </a:r>
-            <a:r>
-              <a:rPr lang="en-US" altLang="zh-CN" dirty="0" smtClean="0"/>
-              <a:t>   </a:t>
-            </a:r>
-            <a:r>
-              <a:rPr lang="en-US" altLang="zh-CN" dirty="0" err="1" smtClean="0"/>
+            <a:endParaRPr lang="en-US" altLang="zh-CN" dirty="0"/>
+          </a:p>
+          <a:p>
+            <a:r>
+              <a:rPr lang="en-US" altLang="zh-CN" dirty="0"/>
+              <a:t>    </a:t>
+            </a:r>
+            <a:r>
+              <a:rPr lang="en-US" altLang="zh-CN" dirty="0" err="1"/>
               <a:t>pseudolabels</a:t>
             </a:r>
             <a:r>
-              <a:rPr lang="en-US" altLang="zh-CN" dirty="0" smtClean="0"/>
-              <a:t> </a:t>
-            </a:r>
-            <a:r>
-              <a:rPr lang="en-US" altLang="zh-CN" dirty="0"/>
-              <a:t>= []</a:t>
+              <a:rPr lang="en-US" altLang="zh-CN" dirty="0"/>
+              <a:t> = []</a:t>
             </a:r>
           </a:p>
           <a:p>
@@ -4545,21 +4526,20 @@
           </a:p>
           <a:p>
             <a:r>
-              <a:rPr lang="zh-CN" altLang="en-US" dirty="0" smtClean="0"/>
+              <a:rPr lang="zh-CN" altLang="en-US" dirty="0"/>
               <a:t>图像索引和标签一一对应</a:t>
             </a:r>
-            <a:endParaRPr lang="en-US" altLang="zh-CN" dirty="0" smtClean="0"/>
-          </a:p>
-          <a:p>
-            <a:r>
-              <a:rPr lang="zh-CN" altLang="en-US" dirty="0" smtClean="0"/>
+            <a:endParaRPr lang="en-US" altLang="zh-CN" dirty="0"/>
+          </a:p>
+          <a:p>
+            <a:r>
+              <a:rPr lang="zh-CN" altLang="en-US" dirty="0"/>
               <a:t>最后封装一层</a:t>
             </a:r>
             <a:r>
-              <a:rPr lang="en-US" altLang="zh-CN" dirty="0" smtClean="0"/>
+              <a:rPr lang="en-US" altLang="zh-CN" dirty="0"/>
               <a:t>Dataset</a:t>
             </a:r>
-            <a:endParaRPr lang="en-US" altLang="zh-CN" dirty="0"/>
           </a:p>
         </p:txBody>
       </p:sp>
@@ -4567,6 +4547,186 @@
     <p:extLst>
       <p:ext uri="{BB962C8B-B14F-4D97-AF65-F5344CB8AC3E}">
         <p14:creationId xmlns:p14="http://schemas.microsoft.com/office/powerpoint/2010/main" val="3191416219"/>
+      </p:ext>
+    </p:extLst>
+  </p:cSld>
+  <p:clrMapOvr>
+    <a:masterClrMapping/>
+  </p:clrMapOvr>
+</p:sld>
+</file>
+
+<file path=ppt/slides/slide19.xml><?xml version="1.0" encoding="utf-8"?>
+<p:sld xmlns:a="http://schemas.openxmlformats.org/drawingml/2006/main" xmlns:r="http://schemas.openxmlformats.org/officeDocument/2006/relationships" xmlns:p="http://schemas.openxmlformats.org/presentationml/2006/main">
+  <p:cSld>
+    <p:spTree>
+      <p:nvGrpSpPr>
+        <p:cNvPr id="1" name=""/>
+        <p:cNvGrpSpPr/>
+        <p:nvPr/>
+      </p:nvGrpSpPr>
+      <p:grpSpPr>
+        <a:xfrm>
+          <a:off x="0" y="0"/>
+          <a:ext cx="0" cy="0"/>
+          <a:chOff x="0" y="0"/>
+          <a:chExt cx="0" cy="0"/>
+        </a:xfrm>
+      </p:grpSpPr>
+      <p:sp>
+        <p:nvSpPr>
+          <p:cNvPr id="4" name="文本框 3">
+            <a:extLst>
+              <a:ext uri="{FF2B5EF4-FFF2-40B4-BE49-F238E27FC236}">
+                <a16:creationId xmlns:a16="http://schemas.microsoft.com/office/drawing/2014/main" id="{02A6D035-CE27-1C2F-A041-8759BE49301F}"/>
+              </a:ext>
+            </a:extLst>
+          </p:cNvPr>
+          <p:cNvSpPr txBox="1"/>
+          <p:nvPr/>
+        </p:nvSpPr>
+        <p:spPr>
+          <a:xfrm>
+            <a:off x="639192" y="346229"/>
+            <a:ext cx="2228295" cy="369332"/>
+          </a:xfrm>
+          <a:prstGeom prst="rect">
+            <a:avLst/>
+          </a:prstGeom>
+          <a:noFill/>
+        </p:spPr>
+        <p:txBody>
+          <a:bodyPr wrap="square" rtlCol="0">
+            <a:spAutoFit/>
+          </a:bodyPr>
+          <a:lstStyle/>
+          <a:p>
+            <a:r>
+              <a:rPr lang="en-US" altLang="zh-CN" dirty="0"/>
+              <a:t>2022.11.25</a:t>
+            </a:r>
+            <a:endParaRPr lang="zh-CN" altLang="en-US" dirty="0"/>
+          </a:p>
+        </p:txBody>
+      </p:sp>
+      <p:sp>
+        <p:nvSpPr>
+          <p:cNvPr id="5" name="文本框 4">
+            <a:extLst>
+              <a:ext uri="{FF2B5EF4-FFF2-40B4-BE49-F238E27FC236}">
+                <a16:creationId xmlns:a16="http://schemas.microsoft.com/office/drawing/2014/main" id="{463D9707-8479-6CB0-FB8A-D5AC393308EA}"/>
+              </a:ext>
+            </a:extLst>
+          </p:cNvPr>
+          <p:cNvSpPr txBox="1"/>
+          <p:nvPr/>
+        </p:nvSpPr>
+        <p:spPr>
+          <a:xfrm>
+            <a:off x="1136342" y="1491449"/>
+            <a:ext cx="8398275" cy="2031325"/>
+          </a:xfrm>
+          <a:prstGeom prst="rect">
+            <a:avLst/>
+          </a:prstGeom>
+          <a:noFill/>
+        </p:spPr>
+        <p:txBody>
+          <a:bodyPr wrap="square" rtlCol="0">
+            <a:spAutoFit/>
+          </a:bodyPr>
+          <a:lstStyle/>
+          <a:p>
+            <a:r>
+              <a:rPr lang="zh-CN" altLang="en-US" dirty="0"/>
+              <a:t>阶段总结</a:t>
+            </a:r>
+            <a:endParaRPr lang="en-US" altLang="zh-CN" dirty="0"/>
+          </a:p>
+          <a:p>
+            <a:endParaRPr lang="en-US" altLang="zh-CN" dirty="0"/>
+          </a:p>
+          <a:p>
+            <a:pPr marL="342900" indent="-342900">
+              <a:buAutoNum type="arabicPeriod"/>
+            </a:pPr>
+            <a:r>
+              <a:rPr lang="zh-CN" altLang="en-US" dirty="0"/>
+              <a:t>代码的初版以完成，主要是</a:t>
+            </a:r>
+            <a:r>
+              <a:rPr lang="en-US" altLang="zh-CN" dirty="0"/>
+              <a:t>senet + </a:t>
+            </a:r>
+            <a:r>
+              <a:rPr lang="en-US" altLang="zh-CN" dirty="0" err="1"/>
+              <a:t>spectralnet</a:t>
+            </a:r>
+            <a:r>
+              <a:rPr lang="en-US" altLang="zh-CN" dirty="0"/>
+              <a:t> + DEC/IDEC</a:t>
+            </a:r>
+          </a:p>
+          <a:p>
+            <a:endParaRPr lang="en-US" altLang="zh-CN" dirty="0"/>
+          </a:p>
+          <a:p>
+            <a:pPr marL="342900" indent="-342900">
+              <a:buAutoNum type="arabicPeriod" startAt="2"/>
+            </a:pPr>
+            <a:r>
+              <a:rPr lang="en-US" altLang="zh-CN" dirty="0" err="1"/>
+              <a:t>Kmeans</a:t>
+            </a:r>
+            <a:r>
+              <a:rPr lang="zh-CN" altLang="en-US" dirty="0"/>
+              <a:t>聚类不稳定，每次的标签不一致，</a:t>
+            </a:r>
+            <a:r>
+              <a:rPr lang="en-US" altLang="zh-CN" dirty="0" err="1"/>
+              <a:t>faiss</a:t>
+            </a:r>
+            <a:r>
+              <a:rPr lang="zh-CN" altLang="en-US" dirty="0"/>
+              <a:t>使用有问题</a:t>
+            </a:r>
+            <a:endParaRPr lang="en-US" altLang="zh-CN" dirty="0"/>
+          </a:p>
+          <a:p>
+            <a:endParaRPr lang="en-US" altLang="zh-CN" dirty="0"/>
+          </a:p>
+          <a:p>
+            <a:r>
+              <a:rPr lang="en-US" altLang="zh-CN" dirty="0"/>
+              <a:t>3.   DEC</a:t>
+            </a:r>
+            <a:r>
+              <a:rPr lang="zh-CN" altLang="en-US" dirty="0"/>
+              <a:t>和</a:t>
+            </a:r>
+            <a:r>
+              <a:rPr lang="en-US" altLang="zh-CN" dirty="0"/>
+              <a:t>IDEC</a:t>
+            </a:r>
+            <a:r>
+              <a:rPr lang="zh-CN" altLang="en-US" dirty="0"/>
+              <a:t>有一丢丢效果，但没有达到</a:t>
+            </a:r>
+            <a:r>
+              <a:rPr lang="en-US" altLang="zh-CN" dirty="0"/>
+              <a:t>SOTA</a:t>
+            </a:r>
+            <a:r>
+              <a:rPr lang="zh-CN" altLang="en-US" dirty="0"/>
+              <a:t>，有一定的差距</a:t>
+            </a:r>
+          </a:p>
+        </p:txBody>
+      </p:sp>
+    </p:spTree>
+    <p:extLst>
+      <p:ext uri="{BB962C8B-B14F-4D97-AF65-F5344CB8AC3E}">
+        <p14:creationId xmlns:p14="http://schemas.microsoft.com/office/powerpoint/2010/main" val="3075555980"/>
       </p:ext>
     </p:extLst>
   </p:cSld>

--- a/scalable_dsc.pptx
+++ b/scalable_dsc.pptx
@@ -24,6 +24,7 @@
     <p:sldId id="273" r:id="rId18"/>
     <p:sldId id="274" r:id="rId19"/>
     <p:sldId id="275" r:id="rId20"/>
+    <p:sldId id="276" r:id="rId21"/>
   </p:sldIdLst>
   <p:sldSz cx="12192000" cy="6858000"/>
   <p:notesSz cx="6858000" cy="9144000"/>
@@ -259,7 +260,7 @@
           <a:p>
             <a:fld id="{88733DD0-9389-4F1F-8C89-C5CBE43C481B}" type="datetimeFigureOut">
               <a:rPr lang="zh-CN" altLang="en-US" smtClean="0"/>
-              <a:t>2022/11/25</a:t>
+              <a:t>2022/12/3</a:t>
             </a:fld>
             <a:endParaRPr lang="zh-CN" altLang="en-US"/>
           </a:p>
@@ -427,7 +428,7 @@
           <a:p>
             <a:fld id="{88733DD0-9389-4F1F-8C89-C5CBE43C481B}" type="datetimeFigureOut">
               <a:rPr lang="zh-CN" altLang="en-US" smtClean="0"/>
-              <a:t>2022/11/25</a:t>
+              <a:t>2022/12/3</a:t>
             </a:fld>
             <a:endParaRPr lang="zh-CN" altLang="en-US"/>
           </a:p>
@@ -605,7 +606,7 @@
           <a:p>
             <a:fld id="{88733DD0-9389-4F1F-8C89-C5CBE43C481B}" type="datetimeFigureOut">
               <a:rPr lang="zh-CN" altLang="en-US" smtClean="0"/>
-              <a:t>2022/11/25</a:t>
+              <a:t>2022/12/3</a:t>
             </a:fld>
             <a:endParaRPr lang="zh-CN" altLang="en-US"/>
           </a:p>
@@ -773,7 +774,7 @@
           <a:p>
             <a:fld id="{88733DD0-9389-4F1F-8C89-C5CBE43C481B}" type="datetimeFigureOut">
               <a:rPr lang="zh-CN" altLang="en-US" smtClean="0"/>
-              <a:t>2022/11/25</a:t>
+              <a:t>2022/12/3</a:t>
             </a:fld>
             <a:endParaRPr lang="zh-CN" altLang="en-US"/>
           </a:p>
@@ -1018,7 +1019,7 @@
           <a:p>
             <a:fld id="{88733DD0-9389-4F1F-8C89-C5CBE43C481B}" type="datetimeFigureOut">
               <a:rPr lang="zh-CN" altLang="en-US" smtClean="0"/>
-              <a:t>2022/11/25</a:t>
+              <a:t>2022/12/3</a:t>
             </a:fld>
             <a:endParaRPr lang="zh-CN" altLang="en-US"/>
           </a:p>
@@ -1247,7 +1248,7 @@
           <a:p>
             <a:fld id="{88733DD0-9389-4F1F-8C89-C5CBE43C481B}" type="datetimeFigureOut">
               <a:rPr lang="zh-CN" altLang="en-US" smtClean="0"/>
-              <a:t>2022/11/25</a:t>
+              <a:t>2022/12/3</a:t>
             </a:fld>
             <a:endParaRPr lang="zh-CN" altLang="en-US"/>
           </a:p>
@@ -1611,7 +1612,7 @@
           <a:p>
             <a:fld id="{88733DD0-9389-4F1F-8C89-C5CBE43C481B}" type="datetimeFigureOut">
               <a:rPr lang="zh-CN" altLang="en-US" smtClean="0"/>
-              <a:t>2022/11/25</a:t>
+              <a:t>2022/12/3</a:t>
             </a:fld>
             <a:endParaRPr lang="zh-CN" altLang="en-US"/>
           </a:p>
@@ -1728,7 +1729,7 @@
           <a:p>
             <a:fld id="{88733DD0-9389-4F1F-8C89-C5CBE43C481B}" type="datetimeFigureOut">
               <a:rPr lang="zh-CN" altLang="en-US" smtClean="0"/>
-              <a:t>2022/11/25</a:t>
+              <a:t>2022/12/3</a:t>
             </a:fld>
             <a:endParaRPr lang="zh-CN" altLang="en-US"/>
           </a:p>
@@ -1823,7 +1824,7 @@
           <a:p>
             <a:fld id="{88733DD0-9389-4F1F-8C89-C5CBE43C481B}" type="datetimeFigureOut">
               <a:rPr lang="zh-CN" altLang="en-US" smtClean="0"/>
-              <a:t>2022/11/25</a:t>
+              <a:t>2022/12/3</a:t>
             </a:fld>
             <a:endParaRPr lang="zh-CN" altLang="en-US"/>
           </a:p>
@@ -2098,7 +2099,7 @@
           <a:p>
             <a:fld id="{88733DD0-9389-4F1F-8C89-C5CBE43C481B}" type="datetimeFigureOut">
               <a:rPr lang="zh-CN" altLang="en-US" smtClean="0"/>
-              <a:t>2022/11/25</a:t>
+              <a:t>2022/12/3</a:t>
             </a:fld>
             <a:endParaRPr lang="zh-CN" altLang="en-US"/>
           </a:p>
@@ -2350,7 +2351,7 @@
           <a:p>
             <a:fld id="{88733DD0-9389-4F1F-8C89-C5CBE43C481B}" type="datetimeFigureOut">
               <a:rPr lang="zh-CN" altLang="en-US" smtClean="0"/>
-              <a:t>2022/11/25</a:t>
+              <a:t>2022/12/3</a:t>
             </a:fld>
             <a:endParaRPr lang="zh-CN" altLang="en-US"/>
           </a:p>
@@ -2561,7 +2562,7 @@
           <a:p>
             <a:fld id="{88733DD0-9389-4F1F-8C89-C5CBE43C481B}" type="datetimeFigureOut">
               <a:rPr lang="zh-CN" altLang="en-US" smtClean="0"/>
-              <a:t>2022/11/25</a:t>
+              <a:t>2022/12/3</a:t>
             </a:fld>
             <a:endParaRPr lang="zh-CN" altLang="en-US"/>
           </a:p>
@@ -4863,6 +4864,200 @@
 </p:sld>
 </file>
 
+<file path=ppt/slides/slide20.xml><?xml version="1.0" encoding="utf-8"?>
+<p:sld xmlns:a="http://schemas.openxmlformats.org/drawingml/2006/main" xmlns:r="http://schemas.openxmlformats.org/officeDocument/2006/relationships" xmlns:p="http://schemas.openxmlformats.org/presentationml/2006/main">
+  <p:cSld>
+    <p:spTree>
+      <p:nvGrpSpPr>
+        <p:cNvPr id="1" name=""/>
+        <p:cNvGrpSpPr/>
+        <p:nvPr/>
+      </p:nvGrpSpPr>
+      <p:grpSpPr>
+        <a:xfrm>
+          <a:off x="0" y="0"/>
+          <a:ext cx="0" cy="0"/>
+          <a:chOff x="0" y="0"/>
+          <a:chExt cx="0" cy="0"/>
+        </a:xfrm>
+      </p:grpSpPr>
+      <p:sp>
+        <p:nvSpPr>
+          <p:cNvPr id="4" name="文本框 3">
+            <a:extLst>
+              <a:ext uri="{FF2B5EF4-FFF2-40B4-BE49-F238E27FC236}">
+                <a16:creationId xmlns:a16="http://schemas.microsoft.com/office/drawing/2014/main" id="{19F71F77-2F5E-42D2-7FAC-582E7424D0E8}"/>
+              </a:ext>
+            </a:extLst>
+          </p:cNvPr>
+          <p:cNvSpPr txBox="1"/>
+          <p:nvPr/>
+        </p:nvSpPr>
+        <p:spPr>
+          <a:xfrm>
+            <a:off x="887767" y="381740"/>
+            <a:ext cx="1447060" cy="369332"/>
+          </a:xfrm>
+          <a:prstGeom prst="rect">
+            <a:avLst/>
+          </a:prstGeom>
+          <a:noFill/>
+        </p:spPr>
+        <p:txBody>
+          <a:bodyPr wrap="square" rtlCol="0">
+            <a:spAutoFit/>
+          </a:bodyPr>
+          <a:lstStyle/>
+          <a:p>
+            <a:r>
+              <a:rPr lang="en-US" altLang="zh-CN" dirty="0"/>
+              <a:t>2022.12.3</a:t>
+            </a:r>
+            <a:endParaRPr lang="zh-CN" altLang="en-US" dirty="0"/>
+          </a:p>
+        </p:txBody>
+      </p:sp>
+      <p:sp>
+        <p:nvSpPr>
+          <p:cNvPr id="5" name="文本框 4">
+            <a:extLst>
+              <a:ext uri="{FF2B5EF4-FFF2-40B4-BE49-F238E27FC236}">
+                <a16:creationId xmlns:a16="http://schemas.microsoft.com/office/drawing/2014/main" id="{03290AC2-8ADD-C019-7904-E5E6CB0409D8}"/>
+              </a:ext>
+            </a:extLst>
+          </p:cNvPr>
+          <p:cNvSpPr txBox="1"/>
+          <p:nvPr/>
+        </p:nvSpPr>
+        <p:spPr>
+          <a:xfrm>
+            <a:off x="1611297" y="1100831"/>
+            <a:ext cx="701336" cy="369332"/>
+          </a:xfrm>
+          <a:prstGeom prst="rect">
+            <a:avLst/>
+          </a:prstGeom>
+          <a:noFill/>
+        </p:spPr>
+        <p:txBody>
+          <a:bodyPr wrap="square" rtlCol="0">
+            <a:spAutoFit/>
+          </a:bodyPr>
+          <a:lstStyle/>
+          <a:p>
+            <a:r>
+              <a:rPr lang="zh-CN" altLang="en-US" dirty="0"/>
+              <a:t>小结</a:t>
+            </a:r>
+          </a:p>
+        </p:txBody>
+      </p:sp>
+      <p:sp>
+        <p:nvSpPr>
+          <p:cNvPr id="6" name="文本框 5">
+            <a:extLst>
+              <a:ext uri="{FF2B5EF4-FFF2-40B4-BE49-F238E27FC236}">
+                <a16:creationId xmlns:a16="http://schemas.microsoft.com/office/drawing/2014/main" id="{6BDCE42D-AFBE-86D3-9863-E33001901087}"/>
+              </a:ext>
+            </a:extLst>
+          </p:cNvPr>
+          <p:cNvSpPr txBox="1"/>
+          <p:nvPr/>
+        </p:nvSpPr>
+        <p:spPr>
+          <a:xfrm>
+            <a:off x="1740023" y="1917577"/>
+            <a:ext cx="8433787" cy="1477328"/>
+          </a:xfrm>
+          <a:prstGeom prst="rect">
+            <a:avLst/>
+          </a:prstGeom>
+          <a:noFill/>
+        </p:spPr>
+        <p:txBody>
+          <a:bodyPr wrap="square" rtlCol="0">
+            <a:spAutoFit/>
+          </a:bodyPr>
+          <a:lstStyle/>
+          <a:p>
+            <a:pPr marL="342900" indent="-342900">
+              <a:buAutoNum type="arabicPeriod"/>
+            </a:pPr>
+            <a:r>
+              <a:rPr lang="zh-CN" altLang="en-US" dirty="0"/>
+              <a:t>初步判断，亲和矩阵的作用至关重要，直接决定了最终结果，对应于系数矩阵</a:t>
+            </a:r>
+            <a:r>
+              <a:rPr lang="en-US" altLang="zh-CN" dirty="0"/>
+              <a:t>C</a:t>
+            </a:r>
+          </a:p>
+          <a:p>
+            <a:pPr marL="342900" indent="-342900">
+              <a:buAutoNum type="arabicPeriod"/>
+            </a:pPr>
+            <a:endParaRPr lang="en-US" altLang="zh-CN" dirty="0"/>
+          </a:p>
+          <a:p>
+            <a:pPr marL="342900" indent="-342900">
+              <a:buAutoNum type="arabicPeriod"/>
+            </a:pPr>
+            <a:r>
+              <a:rPr lang="en-US" altLang="zh-CN" dirty="0"/>
+              <a:t>Senet</a:t>
+            </a:r>
+            <a:r>
+              <a:rPr lang="zh-CN" altLang="en-US" dirty="0"/>
+              <a:t>暂时不动了，试一下</a:t>
+            </a:r>
+            <a:r>
+              <a:rPr lang="en-US" altLang="zh-CN" dirty="0"/>
+              <a:t>KNN</a:t>
+            </a:r>
+            <a:r>
+              <a:rPr lang="zh-CN" altLang="en-US" dirty="0"/>
+              <a:t>和</a:t>
+            </a:r>
+            <a:r>
+              <a:rPr lang="en-US" altLang="zh-CN" dirty="0" err="1"/>
+              <a:t>pearson</a:t>
+            </a:r>
+            <a:r>
+              <a:rPr lang="zh-CN" altLang="en-US" dirty="0"/>
+              <a:t>度量融入亲和矩阵</a:t>
+            </a:r>
+            <a:endParaRPr lang="en-US" altLang="zh-CN" dirty="0"/>
+          </a:p>
+          <a:p>
+            <a:pPr marL="342900" indent="-342900">
+              <a:buAutoNum type="arabicPeriod"/>
+            </a:pPr>
+            <a:endParaRPr lang="en-US" altLang="zh-CN" dirty="0"/>
+          </a:p>
+          <a:p>
+            <a:pPr marL="342900" indent="-342900">
+              <a:buAutoNum type="arabicPeriod"/>
+            </a:pPr>
+            <a:r>
+              <a:rPr lang="zh-CN" altLang="en-US" dirty="0"/>
+              <a:t>思考正负样本的思路是否还能进行的下去？</a:t>
+            </a:r>
+          </a:p>
+        </p:txBody>
+      </p:sp>
+    </p:spTree>
+    <p:extLst>
+      <p:ext uri="{BB962C8B-B14F-4D97-AF65-F5344CB8AC3E}">
+        <p14:creationId xmlns:p14="http://schemas.microsoft.com/office/powerpoint/2010/main" val="686504604"/>
+      </p:ext>
+    </p:extLst>
+  </p:cSld>
+  <p:clrMapOvr>
+    <a:masterClrMapping/>
+  </p:clrMapOvr>
+</p:sld>
+</file>
+
 <file path=ppt/slides/slide3.xml><?xml version="1.0" encoding="utf-8"?>
 <p:sld xmlns:a="http://schemas.openxmlformats.org/drawingml/2006/main" xmlns:r="http://schemas.openxmlformats.org/officeDocument/2006/relationships" xmlns:p="http://schemas.openxmlformats.org/presentationml/2006/main">
   <p:cSld>
